--- a/examples/polygons.pptx
+++ b/examples/polygons.pptx
@@ -6,6 +6,15 @@
   </p:sldMasterIdLst>
   <p:sldIdLst>
     <p:sldId id="256" r:id="rId2"/>
+    <p:sldId id="257" r:id="rId3"/>
+    <p:sldId id="258" r:id="rId4"/>
+    <p:sldId id="259" r:id="rId5"/>
+    <p:sldId id="260" r:id="rId6"/>
+    <p:sldId id="261" r:id="rId7"/>
+    <p:sldId id="262" r:id="rId8"/>
+    <p:sldId id="263" r:id="rId9"/>
+    <p:sldId id="264" r:id="rId10"/>
+    <p:sldId id="265" r:id="rId11"/>
   </p:sldIdLst>
   <p:sldSz cx="12192000" cy="6858000"/>
   <p:notesSz cx="6858000" cy="9144000"/>
@@ -104,6 +113,11 @@
       </a:defRPr>
     </a:lvl9pPr>
   </p:defaultTextStyle>
+  <p:extLst>
+    <p:ext uri="{EFAFB233-063F-42B5-8137-9DF3F51BA10A}">
+      <p15:sldGuideLst xmlns:p15="http://schemas.microsoft.com/office/powerpoint/2012/main"/>
+    </p:ext>
+  </p:extLst>
 </p:presentation>
 </file>
 
@@ -238,7 +252,7 @@
           <a:p>
             <a:fld id="{B84774A3-F89E-4C37-9C9C-704AB0733E1F}" type="datetimeFigureOut">
               <a:rPr lang="ru-RU" smtClean="0"/>
-              <a:t>19.03.2025</a:t>
+              <a:t>16.04.2025</a:t>
             </a:fld>
             <a:endParaRPr lang="ru-RU"/>
           </a:p>
@@ -408,7 +422,7 @@
           <a:p>
             <a:fld id="{B84774A3-F89E-4C37-9C9C-704AB0733E1F}" type="datetimeFigureOut">
               <a:rPr lang="ru-RU" smtClean="0"/>
-              <a:t>19.03.2025</a:t>
+              <a:t>16.04.2025</a:t>
             </a:fld>
             <a:endParaRPr lang="ru-RU"/>
           </a:p>
@@ -588,7 +602,7 @@
           <a:p>
             <a:fld id="{B84774A3-F89E-4C37-9C9C-704AB0733E1F}" type="datetimeFigureOut">
               <a:rPr lang="ru-RU" smtClean="0"/>
-              <a:t>19.03.2025</a:t>
+              <a:t>16.04.2025</a:t>
             </a:fld>
             <a:endParaRPr lang="ru-RU"/>
           </a:p>
@@ -758,7 +772,7 @@
           <a:p>
             <a:fld id="{B84774A3-F89E-4C37-9C9C-704AB0733E1F}" type="datetimeFigureOut">
               <a:rPr lang="ru-RU" smtClean="0"/>
-              <a:t>19.03.2025</a:t>
+              <a:t>16.04.2025</a:t>
             </a:fld>
             <a:endParaRPr lang="ru-RU"/>
           </a:p>
@@ -1004,7 +1018,7 @@
           <a:p>
             <a:fld id="{B84774A3-F89E-4C37-9C9C-704AB0733E1F}" type="datetimeFigureOut">
               <a:rPr lang="ru-RU" smtClean="0"/>
-              <a:t>19.03.2025</a:t>
+              <a:t>16.04.2025</a:t>
             </a:fld>
             <a:endParaRPr lang="ru-RU"/>
           </a:p>
@@ -1236,7 +1250,7 @@
           <a:p>
             <a:fld id="{B84774A3-F89E-4C37-9C9C-704AB0733E1F}" type="datetimeFigureOut">
               <a:rPr lang="ru-RU" smtClean="0"/>
-              <a:t>19.03.2025</a:t>
+              <a:t>16.04.2025</a:t>
             </a:fld>
             <a:endParaRPr lang="ru-RU"/>
           </a:p>
@@ -1603,7 +1617,7 @@
           <a:p>
             <a:fld id="{B84774A3-F89E-4C37-9C9C-704AB0733E1F}" type="datetimeFigureOut">
               <a:rPr lang="ru-RU" smtClean="0"/>
-              <a:t>19.03.2025</a:t>
+              <a:t>16.04.2025</a:t>
             </a:fld>
             <a:endParaRPr lang="ru-RU"/>
           </a:p>
@@ -1721,7 +1735,7 @@
           <a:p>
             <a:fld id="{B84774A3-F89E-4C37-9C9C-704AB0733E1F}" type="datetimeFigureOut">
               <a:rPr lang="ru-RU" smtClean="0"/>
-              <a:t>19.03.2025</a:t>
+              <a:t>16.04.2025</a:t>
             </a:fld>
             <a:endParaRPr lang="ru-RU"/>
           </a:p>
@@ -1816,7 +1830,7 @@
           <a:p>
             <a:fld id="{B84774A3-F89E-4C37-9C9C-704AB0733E1F}" type="datetimeFigureOut">
               <a:rPr lang="ru-RU" smtClean="0"/>
-              <a:t>19.03.2025</a:t>
+              <a:t>16.04.2025</a:t>
             </a:fld>
             <a:endParaRPr lang="ru-RU"/>
           </a:p>
@@ -2093,7 +2107,7 @@
           <a:p>
             <a:fld id="{B84774A3-F89E-4C37-9C9C-704AB0733E1F}" type="datetimeFigureOut">
               <a:rPr lang="ru-RU" smtClean="0"/>
-              <a:t>19.03.2025</a:t>
+              <a:t>16.04.2025</a:t>
             </a:fld>
             <a:endParaRPr lang="ru-RU"/>
           </a:p>
@@ -2346,7 +2360,7 @@
           <a:p>
             <a:fld id="{B84774A3-F89E-4C37-9C9C-704AB0733E1F}" type="datetimeFigureOut">
               <a:rPr lang="ru-RU" smtClean="0"/>
-              <a:t>19.03.2025</a:t>
+              <a:t>16.04.2025</a:t>
             </a:fld>
             <a:endParaRPr lang="ru-RU"/>
           </a:p>
@@ -2559,7 +2573,7 @@
           <a:p>
             <a:fld id="{B84774A3-F89E-4C37-9C9C-704AB0733E1F}" type="datetimeFigureOut">
               <a:rPr lang="ru-RU" smtClean="0"/>
-              <a:t>19.03.2025</a:t>
+              <a:t>16.04.2025</a:t>
             </a:fld>
             <a:endParaRPr lang="ru-RU"/>
           </a:p>
@@ -2948,7 +2962,7 @@
 </file>
 
 <file path=ppt/slides/slide1.xml><?xml version="1.0" encoding="utf-8"?>
-<p:sld xmlns:a="http://schemas.openxmlformats.org/drawingml/2006/main" xmlns:ns2="http://schemas.microsoft.com/office/powerpoint/2010/main" xmlns:p="http://schemas.openxmlformats.org/presentationml/2006/main">
+<p:sld xmlns:a="http://schemas.openxmlformats.org/drawingml/2006/main" xmlns:r="http://schemas.openxmlformats.org/officeDocument/2006/relationships" xmlns:p="http://schemas.openxmlformats.org/presentationml/2006/main">
   <p:cSld>
     <p:spTree>
       <p:nvGrpSpPr>
@@ -2966,7 +2980,7 @@
       </p:grpSpPr>
       <p:grpSp>
         <p:nvGrpSpPr>
-          <p:cNvPr id="2" name="Group 2"/>
+          <p:cNvPr id="1" name="Group 1"/>
           <p:cNvGrpSpPr/>
           <p:nvPr/>
         </p:nvGrpSpPr>
@@ -2980,7 +2994,7 @@
         </p:grpSpPr>
         <p:sp>
           <p:nvSpPr>
-            <p:cNvPr id="3" name="Polygon 3"/>
+            <p:cNvPr id="2" name="Polygon 2"/>
             <p:cNvSpPr/>
             <p:nvPr/>
           </p:nvSpPr>
@@ -3023,7 +3037,7 @@
         </p:sp>
         <p:sp>
           <p:nvSpPr>
-            <p:cNvPr id="4" name="Polygon 4"/>
+            <p:cNvPr id="3" name="Polygon 3"/>
             <p:cNvSpPr/>
             <p:nvPr/>
           </p:nvSpPr>
@@ -3067,7 +3081,7 @@
       </p:grpSp>
       <p:grpSp>
         <p:nvGrpSpPr>
-          <p:cNvPr id="5" name="Group 5"/>
+          <p:cNvPr id="4" name="Group 4"/>
           <p:cNvGrpSpPr/>
           <p:nvPr/>
         </p:nvGrpSpPr>
@@ -3081,7 +3095,7 @@
         </p:grpSpPr>
         <p:sp>
           <p:nvSpPr>
-            <p:cNvPr id="6" name="Polygon 6"/>
+            <p:cNvPr id="5" name="Polygon 5"/>
             <p:cNvSpPr/>
             <p:nvPr/>
           </p:nvSpPr>
@@ -3124,7 +3138,7 @@
         </p:sp>
         <p:sp>
           <p:nvSpPr>
-            <p:cNvPr id="7" name="Polygon 7"/>
+            <p:cNvPr id="6" name="Polygon 6"/>
             <p:cNvSpPr/>
             <p:nvPr/>
           </p:nvSpPr>
@@ -3167,7 +3181,7 @@
         </p:sp>
         <p:sp>
           <p:nvSpPr>
-            <p:cNvPr id="8" name="Polygon 8"/>
+            <p:cNvPr id="7" name="Polygon 7"/>
             <p:cNvSpPr/>
             <p:nvPr/>
           </p:nvSpPr>
@@ -3210,7 +3224,7 @@
         </p:sp>
         <p:sp>
           <p:nvSpPr>
-            <p:cNvPr id="9" name="Polygon 9"/>
+            <p:cNvPr id="8" name="Polygon 8"/>
             <p:cNvSpPr/>
             <p:nvPr/>
           </p:nvSpPr>
@@ -3254,7 +3268,7 @@
       </p:grpSp>
       <p:grpSp>
         <p:nvGrpSpPr>
-          <p:cNvPr id="10" name="Group 10"/>
+          <p:cNvPr id="9" name="Group 9"/>
           <p:cNvGrpSpPr/>
           <p:nvPr/>
         </p:nvGrpSpPr>
@@ -3268,7 +3282,7 @@
         </p:grpSpPr>
         <p:sp>
           <p:nvSpPr>
-            <p:cNvPr id="11" name="Polygon 11"/>
+            <p:cNvPr id="10" name="Polygon 10"/>
             <p:cNvSpPr/>
             <p:nvPr/>
           </p:nvSpPr>
@@ -3311,7 +3325,7 @@
         </p:sp>
         <p:sp>
           <p:nvSpPr>
-            <p:cNvPr id="12" name="Polygon 12"/>
+            <p:cNvPr id="11" name="Polygon 11"/>
             <p:cNvSpPr/>
             <p:nvPr/>
           </p:nvSpPr>
@@ -3354,7 +3368,7 @@
         </p:sp>
         <p:sp>
           <p:nvSpPr>
-            <p:cNvPr id="13" name="Polygon 13"/>
+            <p:cNvPr id="12" name="Polygon 12"/>
             <p:cNvSpPr/>
             <p:nvPr/>
           </p:nvSpPr>
@@ -3397,7 +3411,7 @@
         </p:sp>
         <p:sp>
           <p:nvSpPr>
-            <p:cNvPr id="14" name="Polygon 14"/>
+            <p:cNvPr id="13" name="Polygon 13"/>
             <p:cNvSpPr/>
             <p:nvPr/>
           </p:nvSpPr>
@@ -3440,7 +3454,7 @@
         </p:sp>
         <p:sp>
           <p:nvSpPr>
-            <p:cNvPr id="15" name="Polygon 15"/>
+            <p:cNvPr id="14" name="Polygon 14"/>
             <p:cNvSpPr/>
             <p:nvPr/>
           </p:nvSpPr>
@@ -3483,7 +3497,7 @@
         </p:sp>
         <p:sp>
           <p:nvSpPr>
-            <p:cNvPr id="16" name="Polygon 16"/>
+            <p:cNvPr id="15" name="Polygon 15"/>
             <p:cNvSpPr/>
             <p:nvPr/>
           </p:nvSpPr>
@@ -3527,7 +3541,7 @@
       </p:grpSp>
       <p:grpSp>
         <p:nvGrpSpPr>
-          <p:cNvPr id="17" name="Group 17"/>
+          <p:cNvPr id="16" name="Group 16"/>
           <p:cNvGrpSpPr/>
           <p:nvPr/>
         </p:nvGrpSpPr>
@@ -3541,7 +3555,7 @@
         </p:grpSpPr>
         <p:sp>
           <p:nvSpPr>
-            <p:cNvPr id="18" name="Polygon 18"/>
+            <p:cNvPr id="17" name="Polygon 17"/>
             <p:cNvSpPr/>
             <p:nvPr/>
           </p:nvSpPr>
@@ -3584,7 +3598,7 @@
         </p:sp>
         <p:sp>
           <p:nvSpPr>
-            <p:cNvPr id="19" name="Polygon 19"/>
+            <p:cNvPr id="18" name="Polygon 18"/>
             <p:cNvSpPr/>
             <p:nvPr/>
           </p:nvSpPr>
@@ -3627,7 +3641,7 @@
         </p:sp>
         <p:sp>
           <p:nvSpPr>
-            <p:cNvPr id="20" name="Polygon 20"/>
+            <p:cNvPr id="19" name="Polygon 19"/>
             <p:cNvSpPr/>
             <p:nvPr/>
           </p:nvSpPr>
@@ -3670,7 +3684,7 @@
         </p:sp>
         <p:sp>
           <p:nvSpPr>
-            <p:cNvPr id="21" name="Polygon 21"/>
+            <p:cNvPr id="20" name="Polygon 20"/>
             <p:cNvSpPr/>
             <p:nvPr/>
           </p:nvSpPr>
@@ -3713,7 +3727,7 @@
         </p:sp>
         <p:sp>
           <p:nvSpPr>
-            <p:cNvPr id="22" name="Polygon 22"/>
+            <p:cNvPr id="21" name="Polygon 21"/>
             <p:cNvSpPr/>
             <p:nvPr/>
           </p:nvSpPr>
@@ -3756,7 +3770,7 @@
         </p:sp>
         <p:sp>
           <p:nvSpPr>
-            <p:cNvPr id="23" name="Polygon 23"/>
+            <p:cNvPr id="22" name="Polygon 22"/>
             <p:cNvSpPr/>
             <p:nvPr/>
           </p:nvSpPr>
@@ -3799,7 +3813,7 @@
         </p:sp>
         <p:sp>
           <p:nvSpPr>
-            <p:cNvPr id="24" name="Polygon 24"/>
+            <p:cNvPr id="23" name="Polygon 23"/>
             <p:cNvSpPr/>
             <p:nvPr/>
           </p:nvSpPr>
@@ -3842,7 +3856,7 @@
         </p:sp>
         <p:sp>
           <p:nvSpPr>
-            <p:cNvPr id="25" name="Polygon 25"/>
+            <p:cNvPr id="24" name="Polygon 24"/>
             <p:cNvSpPr/>
             <p:nvPr/>
           </p:nvSpPr>
@@ -3885,7 +3899,7 @@
         </p:sp>
         <p:sp>
           <p:nvSpPr>
-            <p:cNvPr id="26" name="Polygon 26"/>
+            <p:cNvPr id="25" name="Polygon 25"/>
             <p:cNvSpPr/>
             <p:nvPr/>
           </p:nvSpPr>
@@ -3929,7 +3943,7 @@
       </p:grpSp>
       <p:grpSp>
         <p:nvGrpSpPr>
-          <p:cNvPr id="27" name="Group 27"/>
+          <p:cNvPr id="26" name="Group 26"/>
           <p:cNvGrpSpPr/>
           <p:nvPr/>
         </p:nvGrpSpPr>
@@ -3943,7 +3957,7 @@
         </p:grpSpPr>
         <p:sp>
           <p:nvSpPr>
-            <p:cNvPr id="28" name="Polygon 28"/>
+            <p:cNvPr id="27" name="Polygon 27"/>
             <p:cNvSpPr/>
             <p:nvPr/>
           </p:nvSpPr>
@@ -3986,7 +4000,7 @@
         </p:sp>
         <p:sp>
           <p:nvSpPr>
-            <p:cNvPr id="29" name="Polygon 29"/>
+            <p:cNvPr id="28" name="Polygon 28"/>
             <p:cNvSpPr/>
             <p:nvPr/>
           </p:nvSpPr>
@@ -4029,7 +4043,7 @@
         </p:sp>
         <p:sp>
           <p:nvSpPr>
-            <p:cNvPr id="30" name="Polygon 30"/>
+            <p:cNvPr id="29" name="Polygon 29"/>
             <p:cNvSpPr/>
             <p:nvPr/>
           </p:nvSpPr>
@@ -4072,7 +4086,7 @@
         </p:sp>
         <p:sp>
           <p:nvSpPr>
-            <p:cNvPr id="31" name="Polygon 31"/>
+            <p:cNvPr id="30" name="Polygon 30"/>
             <p:cNvSpPr/>
             <p:nvPr/>
           </p:nvSpPr>
@@ -4115,7 +4129,7 @@
         </p:sp>
         <p:sp>
           <p:nvSpPr>
-            <p:cNvPr id="32" name="Polygon 32"/>
+            <p:cNvPr id="31" name="Polygon 31"/>
             <p:cNvSpPr/>
             <p:nvPr/>
           </p:nvSpPr>
@@ -4158,7 +4172,7 @@
         </p:sp>
         <p:sp>
           <p:nvSpPr>
-            <p:cNvPr id="33" name="Polygon 33"/>
+            <p:cNvPr id="32" name="Polygon 32"/>
             <p:cNvSpPr/>
             <p:nvPr/>
           </p:nvSpPr>
@@ -4201,7 +4215,7 @@
         </p:sp>
         <p:sp>
           <p:nvSpPr>
-            <p:cNvPr id="34" name="Polygon 34"/>
+            <p:cNvPr id="33" name="Polygon 33"/>
             <p:cNvSpPr/>
             <p:nvPr/>
           </p:nvSpPr>
@@ -4244,7 +4258,7 @@
         </p:sp>
         <p:sp>
           <p:nvSpPr>
-            <p:cNvPr id="35" name="Polygon 35"/>
+            <p:cNvPr id="34" name="Polygon 34"/>
             <p:cNvSpPr/>
             <p:nvPr/>
           </p:nvSpPr>
@@ -4287,7 +4301,7 @@
         </p:sp>
         <p:sp>
           <p:nvSpPr>
-            <p:cNvPr id="36" name="Polygon 36"/>
+            <p:cNvPr id="35" name="Polygon 35"/>
             <p:cNvSpPr/>
             <p:nvPr/>
           </p:nvSpPr>
@@ -4330,7 +4344,7 @@
         </p:sp>
         <p:sp>
           <p:nvSpPr>
-            <p:cNvPr id="37" name="Polygon 37"/>
+            <p:cNvPr id="36" name="Polygon 36"/>
             <p:cNvSpPr/>
             <p:nvPr/>
           </p:nvSpPr>
@@ -4373,7 +4387,7 @@
         </p:sp>
         <p:sp>
           <p:nvSpPr>
-            <p:cNvPr id="38" name="Polygon 38"/>
+            <p:cNvPr id="37" name="Polygon 37"/>
             <p:cNvSpPr/>
             <p:nvPr/>
           </p:nvSpPr>
@@ -4416,7 +4430,7 @@
         </p:sp>
         <p:sp>
           <p:nvSpPr>
-            <p:cNvPr id="39" name="Polygon 39"/>
+            <p:cNvPr id="38" name="Polygon 38"/>
             <p:cNvSpPr/>
             <p:nvPr/>
           </p:nvSpPr>
@@ -4460,7 +4474,7 @@
       </p:grpSp>
       <p:grpSp>
         <p:nvGrpSpPr>
-          <p:cNvPr id="40" name="Group 40"/>
+          <p:cNvPr id="39" name="Group 39"/>
           <p:cNvGrpSpPr/>
           <p:nvPr/>
         </p:nvGrpSpPr>
@@ -4474,7 +4488,7 @@
         </p:grpSpPr>
         <p:sp>
           <p:nvSpPr>
-            <p:cNvPr id="41" name="Polygon 41"/>
+            <p:cNvPr id="40" name="Polygon 40"/>
             <p:cNvSpPr/>
             <p:nvPr/>
           </p:nvSpPr>
@@ -4514,7 +4528,7 @@
         </p:sp>
         <p:sp>
           <p:nvSpPr>
-            <p:cNvPr id="42" name="Polygon 42"/>
+            <p:cNvPr id="41" name="Polygon 41"/>
             <p:cNvSpPr/>
             <p:nvPr/>
           </p:nvSpPr>
@@ -4560,7 +4574,7 @@
         </p:sp>
         <p:sp>
           <p:nvSpPr>
-            <p:cNvPr id="43" name="Polygon 43"/>
+            <p:cNvPr id="42" name="Polygon 42"/>
             <p:cNvSpPr/>
             <p:nvPr/>
           </p:nvSpPr>
@@ -4603,7 +4617,7 @@
         </p:sp>
         <p:sp>
           <p:nvSpPr>
-            <p:cNvPr id="44" name="Polygon 44"/>
+            <p:cNvPr id="43" name="Polygon 43"/>
             <p:cNvSpPr/>
             <p:nvPr/>
           </p:nvSpPr>
@@ -4646,7 +4660,7 @@
         </p:sp>
         <p:sp>
           <p:nvSpPr>
-            <p:cNvPr id="45" name="Polygon 45"/>
+            <p:cNvPr id="44" name="Polygon 44"/>
             <p:cNvSpPr/>
             <p:nvPr/>
           </p:nvSpPr>
@@ -4692,7 +4706,7 @@
         </p:sp>
         <p:sp>
           <p:nvSpPr>
-            <p:cNvPr id="46" name="Polygon 46"/>
+            <p:cNvPr id="45" name="Polygon 45"/>
             <p:cNvSpPr/>
             <p:nvPr/>
           </p:nvSpPr>
@@ -4732,7 +4746,7 @@
         </p:sp>
         <p:sp>
           <p:nvSpPr>
-            <p:cNvPr id="47" name="Polygon 47"/>
+            <p:cNvPr id="46" name="Polygon 46"/>
             <p:cNvSpPr/>
             <p:nvPr/>
           </p:nvSpPr>
@@ -4775,7 +4789,7 @@
         </p:sp>
         <p:sp>
           <p:nvSpPr>
-            <p:cNvPr id="48" name="Polygon 48"/>
+            <p:cNvPr id="47" name="Polygon 47"/>
             <p:cNvSpPr/>
             <p:nvPr/>
           </p:nvSpPr>
@@ -4818,7 +4832,7 @@
         </p:sp>
         <p:sp>
           <p:nvSpPr>
-            <p:cNvPr id="49" name="Polygon 49"/>
+            <p:cNvPr id="48" name="Polygon 48"/>
             <p:cNvSpPr/>
             <p:nvPr/>
           </p:nvSpPr>
@@ -4861,7 +4875,7 @@
         </p:sp>
         <p:sp>
           <p:nvSpPr>
-            <p:cNvPr id="50" name="Polygon 50"/>
+            <p:cNvPr id="49" name="Polygon 49"/>
             <p:cNvSpPr/>
             <p:nvPr/>
           </p:nvSpPr>
@@ -4904,7 +4918,7 @@
         </p:sp>
         <p:sp>
           <p:nvSpPr>
-            <p:cNvPr id="51" name="Polygon 51"/>
+            <p:cNvPr id="50" name="Polygon 50"/>
             <p:cNvSpPr/>
             <p:nvPr/>
           </p:nvSpPr>
@@ -4950,7 +4964,7 @@
         </p:sp>
         <p:sp>
           <p:nvSpPr>
-            <p:cNvPr id="52" name="Polygon 52"/>
+            <p:cNvPr id="51" name="Polygon 51"/>
             <p:cNvSpPr/>
             <p:nvPr/>
           </p:nvSpPr>
@@ -4990,7 +5004,7 @@
         </p:sp>
         <p:sp>
           <p:nvSpPr>
-            <p:cNvPr id="53" name="Polygon 53"/>
+            <p:cNvPr id="52" name="Polygon 52"/>
             <p:cNvSpPr/>
             <p:nvPr/>
           </p:nvSpPr>
@@ -5033,7 +5047,7 @@
         </p:sp>
         <p:sp>
           <p:nvSpPr>
-            <p:cNvPr id="54" name="Polygon 54"/>
+            <p:cNvPr id="53" name="Polygon 53"/>
             <p:cNvSpPr/>
             <p:nvPr/>
           </p:nvSpPr>
@@ -5076,7 +5090,7 @@
         </p:sp>
         <p:sp>
           <p:nvSpPr>
-            <p:cNvPr id="55" name="Polygon 55"/>
+            <p:cNvPr id="54" name="Polygon 54"/>
             <p:cNvSpPr/>
             <p:nvPr/>
           </p:nvSpPr>
@@ -5119,7 +5133,7 @@
         </p:sp>
         <p:sp>
           <p:nvSpPr>
-            <p:cNvPr id="56" name="Polygon 56"/>
+            <p:cNvPr id="55" name="Polygon 55"/>
             <p:cNvSpPr/>
             <p:nvPr/>
           </p:nvSpPr>
@@ -5162,7 +5176,7 @@
         </p:sp>
         <p:sp>
           <p:nvSpPr>
-            <p:cNvPr id="57" name="Polygon 57"/>
+            <p:cNvPr id="56" name="Polygon 56"/>
             <p:cNvSpPr/>
             <p:nvPr/>
           </p:nvSpPr>
@@ -5206,7 +5220,7 @@
       </p:grpSp>
       <p:grpSp>
         <p:nvGrpSpPr>
-          <p:cNvPr id="58" name="Group 58"/>
+          <p:cNvPr id="57" name="Group 57"/>
           <p:cNvGrpSpPr/>
           <p:nvPr/>
         </p:nvGrpSpPr>
@@ -5220,7 +5234,7 @@
         </p:grpSpPr>
         <p:sp>
           <p:nvSpPr>
-            <p:cNvPr id="59" name="Polygon 59"/>
+            <p:cNvPr id="58" name="Polygon 58"/>
             <p:cNvSpPr/>
             <p:nvPr/>
           </p:nvSpPr>
@@ -5260,7 +5274,7 @@
         </p:sp>
         <p:sp>
           <p:nvSpPr>
-            <p:cNvPr id="60" name="Polygon 60"/>
+            <p:cNvPr id="59" name="Polygon 59"/>
             <p:cNvSpPr/>
             <p:nvPr/>
           </p:nvSpPr>
@@ -5306,7 +5320,7 @@
         </p:sp>
         <p:sp>
           <p:nvSpPr>
-            <p:cNvPr id="61" name="Polygon 61"/>
+            <p:cNvPr id="60" name="Polygon 60"/>
             <p:cNvSpPr/>
             <p:nvPr/>
           </p:nvSpPr>
@@ -5349,7 +5363,7 @@
         </p:sp>
         <p:sp>
           <p:nvSpPr>
-            <p:cNvPr id="62" name="Polygon 62"/>
+            <p:cNvPr id="61" name="Polygon 61"/>
             <p:cNvSpPr/>
             <p:nvPr/>
           </p:nvSpPr>
@@ -5395,7 +5409,7 @@
         </p:sp>
         <p:sp>
           <p:nvSpPr>
-            <p:cNvPr id="63" name="Polygon 63"/>
+            <p:cNvPr id="62" name="Polygon 62"/>
             <p:cNvSpPr/>
             <p:nvPr/>
           </p:nvSpPr>
@@ -5435,7 +5449,7 @@
         </p:sp>
         <p:sp>
           <p:nvSpPr>
-            <p:cNvPr id="64" name="Polygon 64"/>
+            <p:cNvPr id="63" name="Polygon 63"/>
             <p:cNvSpPr/>
             <p:nvPr/>
           </p:nvSpPr>
@@ -5475,7 +5489,7 @@
         </p:sp>
         <p:sp>
           <p:nvSpPr>
-            <p:cNvPr id="65" name="Polygon 65"/>
+            <p:cNvPr id="64" name="Polygon 64"/>
             <p:cNvSpPr/>
             <p:nvPr/>
           </p:nvSpPr>
@@ -5521,7 +5535,7 @@
         </p:sp>
         <p:sp>
           <p:nvSpPr>
-            <p:cNvPr id="66" name="Polygon 66"/>
+            <p:cNvPr id="65" name="Polygon 65"/>
             <p:cNvSpPr/>
             <p:nvPr/>
           </p:nvSpPr>
@@ -5564,7 +5578,7 @@
         </p:sp>
         <p:sp>
           <p:nvSpPr>
-            <p:cNvPr id="67" name="Polygon 67"/>
+            <p:cNvPr id="66" name="Polygon 66"/>
             <p:cNvSpPr/>
             <p:nvPr/>
           </p:nvSpPr>
@@ -5610,7 +5624,7 @@
         </p:sp>
         <p:sp>
           <p:nvSpPr>
-            <p:cNvPr id="68" name="Polygon 68"/>
+            <p:cNvPr id="67" name="Polygon 67"/>
             <p:cNvSpPr/>
             <p:nvPr/>
           </p:nvSpPr>
@@ -5650,7 +5664,7 @@
         </p:sp>
         <p:sp>
           <p:nvSpPr>
-            <p:cNvPr id="69" name="Polygon 69"/>
+            <p:cNvPr id="68" name="Polygon 68"/>
             <p:cNvSpPr/>
             <p:nvPr/>
           </p:nvSpPr>
@@ -5693,7 +5707,7 @@
         </p:sp>
         <p:sp>
           <p:nvSpPr>
-            <p:cNvPr id="70" name="Polygon 70"/>
+            <p:cNvPr id="69" name="Polygon 69"/>
             <p:cNvSpPr/>
             <p:nvPr/>
           </p:nvSpPr>
@@ -5736,7 +5750,7 @@
         </p:sp>
         <p:sp>
           <p:nvSpPr>
-            <p:cNvPr id="71" name="Polygon 71"/>
+            <p:cNvPr id="70" name="Polygon 70"/>
             <p:cNvSpPr/>
             <p:nvPr/>
           </p:nvSpPr>
@@ -5779,7 +5793,7 @@
         </p:sp>
         <p:sp>
           <p:nvSpPr>
-            <p:cNvPr id="72" name="Polygon 72"/>
+            <p:cNvPr id="71" name="Polygon 71"/>
             <p:cNvSpPr/>
             <p:nvPr/>
           </p:nvSpPr>
@@ -5822,7 +5836,7 @@
         </p:sp>
         <p:sp>
           <p:nvSpPr>
-            <p:cNvPr id="73" name="Polygon 73"/>
+            <p:cNvPr id="72" name="Polygon 72"/>
             <p:cNvSpPr/>
             <p:nvPr/>
           </p:nvSpPr>
@@ -5865,7 +5879,7 @@
         </p:sp>
         <p:sp>
           <p:nvSpPr>
-            <p:cNvPr id="74" name="Polygon 74"/>
+            <p:cNvPr id="73" name="Polygon 73"/>
             <p:cNvSpPr/>
             <p:nvPr/>
           </p:nvSpPr>
@@ -5911,7 +5925,7 @@
         </p:sp>
         <p:sp>
           <p:nvSpPr>
-            <p:cNvPr id="75" name="Polygon 75"/>
+            <p:cNvPr id="74" name="Polygon 74"/>
             <p:cNvSpPr/>
             <p:nvPr/>
           </p:nvSpPr>
@@ -5951,7 +5965,7 @@
         </p:sp>
         <p:sp>
           <p:nvSpPr>
-            <p:cNvPr id="76" name="Polygon 76"/>
+            <p:cNvPr id="75" name="Polygon 75"/>
             <p:cNvSpPr/>
             <p:nvPr/>
           </p:nvSpPr>
@@ -5994,7 +6008,7 @@
         </p:sp>
         <p:sp>
           <p:nvSpPr>
-            <p:cNvPr id="77" name="Polygon 77"/>
+            <p:cNvPr id="76" name="Polygon 76"/>
             <p:cNvSpPr/>
             <p:nvPr/>
           </p:nvSpPr>
@@ -6037,7 +6051,7 @@
         </p:sp>
         <p:sp>
           <p:nvSpPr>
-            <p:cNvPr id="78" name="Polygon 78"/>
+            <p:cNvPr id="77" name="Polygon 77"/>
             <p:cNvSpPr/>
             <p:nvPr/>
           </p:nvSpPr>
@@ -6080,7 +6094,7 @@
         </p:sp>
         <p:sp>
           <p:nvSpPr>
-            <p:cNvPr id="79" name="Polygon 79"/>
+            <p:cNvPr id="78" name="Polygon 78"/>
             <p:cNvSpPr/>
             <p:nvPr/>
           </p:nvSpPr>
@@ -6123,7 +6137,7 @@
         </p:sp>
         <p:sp>
           <p:nvSpPr>
-            <p:cNvPr id="80" name="Polygon 80"/>
+            <p:cNvPr id="79" name="Polygon 79"/>
             <p:cNvSpPr/>
             <p:nvPr/>
           </p:nvSpPr>
@@ -6167,7 +6181,7 @@
       </p:grpSp>
       <p:grpSp>
         <p:nvGrpSpPr>
-          <p:cNvPr id="81" name="Group 81"/>
+          <p:cNvPr id="80" name="Group 80"/>
           <p:cNvGrpSpPr/>
           <p:nvPr/>
         </p:nvGrpSpPr>
@@ -6181,7 +6195,7 @@
         </p:grpSpPr>
         <p:sp>
           <p:nvSpPr>
-            <p:cNvPr id="82" name="Polygon 82"/>
+            <p:cNvPr id="81" name="Polygon 81"/>
             <p:cNvSpPr/>
             <p:nvPr/>
           </p:nvSpPr>
@@ -6221,7 +6235,7 @@
         </p:sp>
         <p:sp>
           <p:nvSpPr>
-            <p:cNvPr id="83" name="Polygon 83"/>
+            <p:cNvPr id="82" name="Polygon 82"/>
             <p:cNvSpPr/>
             <p:nvPr/>
           </p:nvSpPr>
@@ -6267,7 +6281,7 @@
         </p:sp>
         <p:sp>
           <p:nvSpPr>
-            <p:cNvPr id="84" name="Polygon 84"/>
+            <p:cNvPr id="83" name="Polygon 83"/>
             <p:cNvSpPr/>
             <p:nvPr/>
           </p:nvSpPr>
@@ -6310,7 +6324,7 @@
         </p:sp>
         <p:sp>
           <p:nvSpPr>
-            <p:cNvPr id="85" name="Polygon 85"/>
+            <p:cNvPr id="84" name="Polygon 84"/>
             <p:cNvSpPr/>
             <p:nvPr/>
           </p:nvSpPr>
@@ -6356,7 +6370,7 @@
         </p:sp>
         <p:sp>
           <p:nvSpPr>
-            <p:cNvPr id="86" name="Polygon 86"/>
+            <p:cNvPr id="85" name="Polygon 85"/>
             <p:cNvSpPr/>
             <p:nvPr/>
           </p:nvSpPr>
@@ -6396,7 +6410,7 @@
         </p:sp>
         <p:sp>
           <p:nvSpPr>
-            <p:cNvPr id="87" name="Polygon 87"/>
+            <p:cNvPr id="86" name="Polygon 86"/>
             <p:cNvSpPr/>
             <p:nvPr/>
           </p:nvSpPr>
@@ -6436,7 +6450,7 @@
         </p:sp>
         <p:sp>
           <p:nvSpPr>
-            <p:cNvPr id="88" name="Polygon 88"/>
+            <p:cNvPr id="87" name="Polygon 87"/>
             <p:cNvSpPr/>
             <p:nvPr/>
           </p:nvSpPr>
@@ -6482,7 +6496,7 @@
         </p:sp>
         <p:sp>
           <p:nvSpPr>
-            <p:cNvPr id="89" name="Polygon 89"/>
+            <p:cNvPr id="88" name="Polygon 88"/>
             <p:cNvSpPr/>
             <p:nvPr/>
           </p:nvSpPr>
@@ -6528,7 +6542,7 @@
         </p:sp>
         <p:sp>
           <p:nvSpPr>
-            <p:cNvPr id="90" name="Polygon 90"/>
+            <p:cNvPr id="89" name="Polygon 89"/>
             <p:cNvSpPr/>
             <p:nvPr/>
           </p:nvSpPr>
@@ -6568,7 +6582,7 @@
         </p:sp>
         <p:sp>
           <p:nvSpPr>
-            <p:cNvPr id="91" name="Polygon 91"/>
+            <p:cNvPr id="90" name="Polygon 90"/>
             <p:cNvSpPr/>
             <p:nvPr/>
           </p:nvSpPr>
@@ -6614,7 +6628,7 @@
         </p:sp>
         <p:sp>
           <p:nvSpPr>
-            <p:cNvPr id="92" name="Polygon 92"/>
+            <p:cNvPr id="91" name="Polygon 91"/>
             <p:cNvSpPr/>
             <p:nvPr/>
           </p:nvSpPr>
@@ -6654,7 +6668,7 @@
         </p:sp>
         <p:sp>
           <p:nvSpPr>
-            <p:cNvPr id="93" name="Polygon 93"/>
+            <p:cNvPr id="92" name="Polygon 92"/>
             <p:cNvSpPr/>
             <p:nvPr/>
           </p:nvSpPr>
@@ -6697,7 +6711,7 @@
         </p:sp>
         <p:sp>
           <p:nvSpPr>
-            <p:cNvPr id="94" name="Polygon 94"/>
+            <p:cNvPr id="93" name="Polygon 93"/>
             <p:cNvSpPr/>
             <p:nvPr/>
           </p:nvSpPr>
@@ -6740,7 +6754,7 @@
         </p:sp>
         <p:sp>
           <p:nvSpPr>
-            <p:cNvPr id="95" name="Polygon 95"/>
+            <p:cNvPr id="94" name="Polygon 94"/>
             <p:cNvSpPr/>
             <p:nvPr/>
           </p:nvSpPr>
@@ -6783,7 +6797,7 @@
         </p:sp>
         <p:sp>
           <p:nvSpPr>
-            <p:cNvPr id="96" name="Polygon 96"/>
+            <p:cNvPr id="95" name="Polygon 95"/>
             <p:cNvSpPr/>
             <p:nvPr/>
           </p:nvSpPr>
@@ -6826,7 +6840,7 @@
         </p:sp>
         <p:sp>
           <p:nvSpPr>
-            <p:cNvPr id="97" name="Polygon 97"/>
+            <p:cNvPr id="96" name="Polygon 96"/>
             <p:cNvSpPr/>
             <p:nvPr/>
           </p:nvSpPr>
@@ -6869,7 +6883,7 @@
         </p:sp>
         <p:sp>
           <p:nvSpPr>
-            <p:cNvPr id="98" name="Polygon 98"/>
+            <p:cNvPr id="97" name="Polygon 97"/>
             <p:cNvSpPr/>
             <p:nvPr/>
           </p:nvSpPr>
@@ -6915,7 +6929,7 @@
         </p:sp>
         <p:sp>
           <p:nvSpPr>
-            <p:cNvPr id="99" name="Polygon 99"/>
+            <p:cNvPr id="98" name="Polygon 98"/>
             <p:cNvSpPr/>
             <p:nvPr/>
           </p:nvSpPr>
@@ -6958,7 +6972,7 @@
         </p:sp>
         <p:sp>
           <p:nvSpPr>
-            <p:cNvPr id="100" name="Polygon 100"/>
+            <p:cNvPr id="99" name="Polygon 99"/>
             <p:cNvSpPr/>
             <p:nvPr/>
           </p:nvSpPr>
@@ -6998,7 +7012,7 @@
         </p:sp>
         <p:sp>
           <p:nvSpPr>
-            <p:cNvPr id="101" name="Polygon 101"/>
+            <p:cNvPr id="100" name="Polygon 100"/>
             <p:cNvSpPr/>
             <p:nvPr/>
           </p:nvSpPr>
@@ -7041,7 +7055,7 @@
         </p:sp>
         <p:sp>
           <p:nvSpPr>
-            <p:cNvPr id="102" name="Polygon 102"/>
+            <p:cNvPr id="101" name="Polygon 101"/>
             <p:cNvSpPr/>
             <p:nvPr/>
           </p:nvSpPr>
@@ -7084,7 +7098,7 @@
         </p:sp>
         <p:sp>
           <p:nvSpPr>
-            <p:cNvPr id="103" name="Polygon 103"/>
+            <p:cNvPr id="102" name="Polygon 102"/>
             <p:cNvSpPr/>
             <p:nvPr/>
           </p:nvSpPr>
@@ -7124,7 +7138,7 @@
         </p:sp>
         <p:sp>
           <p:nvSpPr>
-            <p:cNvPr id="104" name="Polygon 104"/>
+            <p:cNvPr id="103" name="Polygon 103"/>
             <p:cNvSpPr/>
             <p:nvPr/>
           </p:nvSpPr>
@@ -7170,7 +7184,7 @@
         </p:sp>
         <p:sp>
           <p:nvSpPr>
-            <p:cNvPr id="105" name="Polygon 105"/>
+            <p:cNvPr id="104" name="Polygon 104"/>
             <p:cNvSpPr/>
             <p:nvPr/>
           </p:nvSpPr>
@@ -7213,7 +7227,7 @@
         </p:sp>
         <p:sp>
           <p:nvSpPr>
-            <p:cNvPr id="106" name="Polygon 106"/>
+            <p:cNvPr id="105" name="Polygon 105"/>
             <p:cNvSpPr/>
             <p:nvPr/>
           </p:nvSpPr>
@@ -7256,7 +7270,7 @@
         </p:sp>
         <p:sp>
           <p:nvSpPr>
-            <p:cNvPr id="107" name="Polygon 107"/>
+            <p:cNvPr id="106" name="Polygon 106"/>
             <p:cNvSpPr/>
             <p:nvPr/>
           </p:nvSpPr>
@@ -7299,7 +7313,7 @@
         </p:sp>
         <p:sp>
           <p:nvSpPr>
-            <p:cNvPr id="108" name="Polygon 108"/>
+            <p:cNvPr id="107" name="Polygon 107"/>
             <p:cNvSpPr/>
             <p:nvPr/>
           </p:nvSpPr>
@@ -7344,7 +7358,277 @@
     </p:spTree>
     <p:extLst>
       <p:ext uri="{BB962C8B-B14F-4D97-AF65-F5344CB8AC3E}">
-        <ns2:creationId val="3791754821"/>
+        <p14:creationId xmlns:p14="http://schemas.microsoft.com/office/powerpoint/2010/main" val="3791754821"/>
+      </p:ext>
+    </p:extLst>
+  </p:cSld>
+  <p:clrMapOvr>
+    <a:masterClrMapping/>
+  </p:clrMapOvr>
+</p:sld>
+</file>
+
+<file path=ppt/slides/slide10.xml><?xml version="1.0" encoding="utf-8"?>
+<p:sld xmlns:a="http://schemas.openxmlformats.org/drawingml/2006/main" xmlns:r="http://schemas.openxmlformats.org/officeDocument/2006/relationships" xmlns:p="http://schemas.openxmlformats.org/presentationml/2006/main">
+  <p:cSld>
+    <p:spTree>
+      <p:nvGrpSpPr>
+        <p:cNvPr id="1" name=""/>
+        <p:cNvGrpSpPr/>
+        <p:nvPr/>
+      </p:nvGrpSpPr>
+      <p:grpSpPr>
+        <a:xfrm>
+          <a:off x="0" y="0"/>
+          <a:ext cx="0" cy="0"/>
+          <a:chOff x="0" y="0"/>
+          <a:chExt cx="0" cy="0"/>
+        </a:xfrm>
+      </p:grpSpPr>
+    </p:spTree>
+    <p:extLst>
+      <p:ext uri="{BB962C8B-B14F-4D97-AF65-F5344CB8AC3E}">
+        <p14:creationId xmlns:p14="http://schemas.microsoft.com/office/powerpoint/2010/main" val="3666555843"/>
+      </p:ext>
+    </p:extLst>
+  </p:cSld>
+  <p:clrMapOvr>
+    <a:masterClrMapping/>
+  </p:clrMapOvr>
+</p:sld>
+</file>
+
+<file path=ppt/slides/slide2.xml><?xml version="1.0" encoding="utf-8"?>
+<p:sld xmlns:a="http://schemas.openxmlformats.org/drawingml/2006/main" xmlns:r="http://schemas.openxmlformats.org/officeDocument/2006/relationships" xmlns:p="http://schemas.openxmlformats.org/presentationml/2006/main">
+  <p:cSld>
+    <p:spTree>
+      <p:nvGrpSpPr>
+        <p:cNvPr id="1" name=""/>
+        <p:cNvGrpSpPr/>
+        <p:nvPr/>
+      </p:nvGrpSpPr>
+      <p:grpSpPr>
+        <a:xfrm>
+          <a:off x="0" y="0"/>
+          <a:ext cx="0" cy="0"/>
+          <a:chOff x="0" y="0"/>
+          <a:chExt cx="0" cy="0"/>
+        </a:xfrm>
+      </p:grpSpPr>
+    </p:spTree>
+    <p:extLst>
+      <p:ext uri="{BB962C8B-B14F-4D97-AF65-F5344CB8AC3E}">
+        <p14:creationId xmlns:p14="http://schemas.microsoft.com/office/powerpoint/2010/main" val="3158598052"/>
+      </p:ext>
+    </p:extLst>
+  </p:cSld>
+  <p:clrMapOvr>
+    <a:masterClrMapping/>
+  </p:clrMapOvr>
+</p:sld>
+</file>
+
+<file path=ppt/slides/slide3.xml><?xml version="1.0" encoding="utf-8"?>
+<p:sld xmlns:a="http://schemas.openxmlformats.org/drawingml/2006/main" xmlns:r="http://schemas.openxmlformats.org/officeDocument/2006/relationships" xmlns:p="http://schemas.openxmlformats.org/presentationml/2006/main">
+  <p:cSld>
+    <p:spTree>
+      <p:nvGrpSpPr>
+        <p:cNvPr id="1" name=""/>
+        <p:cNvGrpSpPr/>
+        <p:nvPr/>
+      </p:nvGrpSpPr>
+      <p:grpSpPr>
+        <a:xfrm>
+          <a:off x="0" y="0"/>
+          <a:ext cx="0" cy="0"/>
+          <a:chOff x="0" y="0"/>
+          <a:chExt cx="0" cy="0"/>
+        </a:xfrm>
+      </p:grpSpPr>
+    </p:spTree>
+    <p:extLst>
+      <p:ext uri="{BB962C8B-B14F-4D97-AF65-F5344CB8AC3E}">
+        <p14:creationId xmlns:p14="http://schemas.microsoft.com/office/powerpoint/2010/main" val="844204438"/>
+      </p:ext>
+    </p:extLst>
+  </p:cSld>
+  <p:clrMapOvr>
+    <a:masterClrMapping/>
+  </p:clrMapOvr>
+</p:sld>
+</file>
+
+<file path=ppt/slides/slide4.xml><?xml version="1.0" encoding="utf-8"?>
+<p:sld xmlns:a="http://schemas.openxmlformats.org/drawingml/2006/main" xmlns:r="http://schemas.openxmlformats.org/officeDocument/2006/relationships" xmlns:p="http://schemas.openxmlformats.org/presentationml/2006/main">
+  <p:cSld>
+    <p:spTree>
+      <p:nvGrpSpPr>
+        <p:cNvPr id="1" name=""/>
+        <p:cNvGrpSpPr/>
+        <p:nvPr/>
+      </p:nvGrpSpPr>
+      <p:grpSpPr>
+        <a:xfrm>
+          <a:off x="0" y="0"/>
+          <a:ext cx="0" cy="0"/>
+          <a:chOff x="0" y="0"/>
+          <a:chExt cx="0" cy="0"/>
+        </a:xfrm>
+      </p:grpSpPr>
+    </p:spTree>
+    <p:extLst>
+      <p:ext uri="{BB962C8B-B14F-4D97-AF65-F5344CB8AC3E}">
+        <p14:creationId xmlns:p14="http://schemas.microsoft.com/office/powerpoint/2010/main" val="3860706294"/>
+      </p:ext>
+    </p:extLst>
+  </p:cSld>
+  <p:clrMapOvr>
+    <a:masterClrMapping/>
+  </p:clrMapOvr>
+</p:sld>
+</file>
+
+<file path=ppt/slides/slide5.xml><?xml version="1.0" encoding="utf-8"?>
+<p:sld xmlns:a="http://schemas.openxmlformats.org/drawingml/2006/main" xmlns:r="http://schemas.openxmlformats.org/officeDocument/2006/relationships" xmlns:p="http://schemas.openxmlformats.org/presentationml/2006/main">
+  <p:cSld>
+    <p:spTree>
+      <p:nvGrpSpPr>
+        <p:cNvPr id="1" name=""/>
+        <p:cNvGrpSpPr/>
+        <p:nvPr/>
+      </p:nvGrpSpPr>
+      <p:grpSpPr>
+        <a:xfrm>
+          <a:off x="0" y="0"/>
+          <a:ext cx="0" cy="0"/>
+          <a:chOff x="0" y="0"/>
+          <a:chExt cx="0" cy="0"/>
+        </a:xfrm>
+      </p:grpSpPr>
+    </p:spTree>
+    <p:extLst>
+      <p:ext uri="{BB962C8B-B14F-4D97-AF65-F5344CB8AC3E}">
+        <p14:creationId xmlns:p14="http://schemas.microsoft.com/office/powerpoint/2010/main" val="658792839"/>
+      </p:ext>
+    </p:extLst>
+  </p:cSld>
+  <p:clrMapOvr>
+    <a:masterClrMapping/>
+  </p:clrMapOvr>
+</p:sld>
+</file>
+
+<file path=ppt/slides/slide6.xml><?xml version="1.0" encoding="utf-8"?>
+<p:sld xmlns:a="http://schemas.openxmlformats.org/drawingml/2006/main" xmlns:r="http://schemas.openxmlformats.org/officeDocument/2006/relationships" xmlns:p="http://schemas.openxmlformats.org/presentationml/2006/main">
+  <p:cSld>
+    <p:spTree>
+      <p:nvGrpSpPr>
+        <p:cNvPr id="1" name=""/>
+        <p:cNvGrpSpPr/>
+        <p:nvPr/>
+      </p:nvGrpSpPr>
+      <p:grpSpPr>
+        <a:xfrm>
+          <a:off x="0" y="0"/>
+          <a:ext cx="0" cy="0"/>
+          <a:chOff x="0" y="0"/>
+          <a:chExt cx="0" cy="0"/>
+        </a:xfrm>
+      </p:grpSpPr>
+    </p:spTree>
+    <p:extLst>
+      <p:ext uri="{BB962C8B-B14F-4D97-AF65-F5344CB8AC3E}">
+        <p14:creationId xmlns:p14="http://schemas.microsoft.com/office/powerpoint/2010/main" val="1209073116"/>
+      </p:ext>
+    </p:extLst>
+  </p:cSld>
+  <p:clrMapOvr>
+    <a:masterClrMapping/>
+  </p:clrMapOvr>
+</p:sld>
+</file>
+
+<file path=ppt/slides/slide7.xml><?xml version="1.0" encoding="utf-8"?>
+<p:sld xmlns:a="http://schemas.openxmlformats.org/drawingml/2006/main" xmlns:r="http://schemas.openxmlformats.org/officeDocument/2006/relationships" xmlns:p="http://schemas.openxmlformats.org/presentationml/2006/main">
+  <p:cSld>
+    <p:spTree>
+      <p:nvGrpSpPr>
+        <p:cNvPr id="1" name=""/>
+        <p:cNvGrpSpPr/>
+        <p:nvPr/>
+      </p:nvGrpSpPr>
+      <p:grpSpPr>
+        <a:xfrm>
+          <a:off x="0" y="0"/>
+          <a:ext cx="0" cy="0"/>
+          <a:chOff x="0" y="0"/>
+          <a:chExt cx="0" cy="0"/>
+        </a:xfrm>
+      </p:grpSpPr>
+    </p:spTree>
+    <p:extLst>
+      <p:ext uri="{BB962C8B-B14F-4D97-AF65-F5344CB8AC3E}">
+        <p14:creationId xmlns:p14="http://schemas.microsoft.com/office/powerpoint/2010/main" val="3404502129"/>
+      </p:ext>
+    </p:extLst>
+  </p:cSld>
+  <p:clrMapOvr>
+    <a:masterClrMapping/>
+  </p:clrMapOvr>
+</p:sld>
+</file>
+
+<file path=ppt/slides/slide8.xml><?xml version="1.0" encoding="utf-8"?>
+<p:sld xmlns:a="http://schemas.openxmlformats.org/drawingml/2006/main" xmlns:r="http://schemas.openxmlformats.org/officeDocument/2006/relationships" xmlns:p="http://schemas.openxmlformats.org/presentationml/2006/main">
+  <p:cSld>
+    <p:spTree>
+      <p:nvGrpSpPr>
+        <p:cNvPr id="1" name=""/>
+        <p:cNvGrpSpPr/>
+        <p:nvPr/>
+      </p:nvGrpSpPr>
+      <p:grpSpPr>
+        <a:xfrm>
+          <a:off x="0" y="0"/>
+          <a:ext cx="0" cy="0"/>
+          <a:chOff x="0" y="0"/>
+          <a:chExt cx="0" cy="0"/>
+        </a:xfrm>
+      </p:grpSpPr>
+    </p:spTree>
+    <p:extLst>
+      <p:ext uri="{BB962C8B-B14F-4D97-AF65-F5344CB8AC3E}">
+        <p14:creationId xmlns:p14="http://schemas.microsoft.com/office/powerpoint/2010/main" val="3471118123"/>
+      </p:ext>
+    </p:extLst>
+  </p:cSld>
+  <p:clrMapOvr>
+    <a:masterClrMapping/>
+  </p:clrMapOvr>
+</p:sld>
+</file>
+
+<file path=ppt/slides/slide9.xml><?xml version="1.0" encoding="utf-8"?>
+<p:sld xmlns:a="http://schemas.openxmlformats.org/drawingml/2006/main" xmlns:r="http://schemas.openxmlformats.org/officeDocument/2006/relationships" xmlns:p="http://schemas.openxmlformats.org/presentationml/2006/main">
+  <p:cSld>
+    <p:spTree>
+      <p:nvGrpSpPr>
+        <p:cNvPr id="1" name=""/>
+        <p:cNvGrpSpPr/>
+        <p:nvPr/>
+      </p:nvGrpSpPr>
+      <p:grpSpPr>
+        <a:xfrm>
+          <a:off x="0" y="0"/>
+          <a:ext cx="0" cy="0"/>
+          <a:chOff x="0" y="0"/>
+          <a:chExt cx="0" cy="0"/>
+        </a:xfrm>
+      </p:grpSpPr>
+    </p:spTree>
+    <p:extLst>
+      <p:ext uri="{BB962C8B-B14F-4D97-AF65-F5344CB8AC3E}">
+        <p14:creationId xmlns:p14="http://schemas.microsoft.com/office/powerpoint/2010/main" val="2053238581"/>
       </p:ext>
     </p:extLst>
   </p:cSld>
